--- a/Appendixes/Implementation.pptx
+++ b/Appendixes/Implementation.pptx
@@ -110,6 +110,11 @@
       </a:defRPr>
     </a:lvl9pPr>
   </p:defaultTextStyle>
+  <p:extLst>
+    <p:ext uri="{EFAFB233-063F-42B5-8137-9DF3F51BA10A}">
+      <p15:sldGuideLst xmlns:p15="http://schemas.microsoft.com/office/powerpoint/2012/main"/>
+    </p:ext>
+  </p:extLst>
 </p:presentation>
 </file>
 
@@ -264,7 +269,7 @@
           <a:p>
             <a:fld id="{B659867A-B7E2-49AB-9653-BF6D082EB7DE}" type="datetimeFigureOut">
               <a:rPr lang="pl-PL" smtClean="0"/>
-              <a:t>18.01.2018</a:t>
+              <a:t>20.01.2018</a:t>
             </a:fld>
             <a:endParaRPr lang="pl-PL"/>
           </a:p>
@@ -462,7 +467,7 @@
           <a:p>
             <a:fld id="{B659867A-B7E2-49AB-9653-BF6D082EB7DE}" type="datetimeFigureOut">
               <a:rPr lang="pl-PL" smtClean="0"/>
-              <a:t>18.01.2018</a:t>
+              <a:t>20.01.2018</a:t>
             </a:fld>
             <a:endParaRPr lang="pl-PL"/>
           </a:p>
@@ -670,7 +675,7 @@
           <a:p>
             <a:fld id="{B659867A-B7E2-49AB-9653-BF6D082EB7DE}" type="datetimeFigureOut">
               <a:rPr lang="pl-PL" smtClean="0"/>
-              <a:t>18.01.2018</a:t>
+              <a:t>20.01.2018</a:t>
             </a:fld>
             <a:endParaRPr lang="pl-PL"/>
           </a:p>
@@ -868,7 +873,7 @@
           <a:p>
             <a:fld id="{B659867A-B7E2-49AB-9653-BF6D082EB7DE}" type="datetimeFigureOut">
               <a:rPr lang="pl-PL" smtClean="0"/>
-              <a:t>18.01.2018</a:t>
+              <a:t>20.01.2018</a:t>
             </a:fld>
             <a:endParaRPr lang="pl-PL"/>
           </a:p>
@@ -1143,7 +1148,7 @@
           <a:p>
             <a:fld id="{B659867A-B7E2-49AB-9653-BF6D082EB7DE}" type="datetimeFigureOut">
               <a:rPr lang="pl-PL" smtClean="0"/>
-              <a:t>18.01.2018</a:t>
+              <a:t>20.01.2018</a:t>
             </a:fld>
             <a:endParaRPr lang="pl-PL"/>
           </a:p>
@@ -1408,7 +1413,7 @@
           <a:p>
             <a:fld id="{B659867A-B7E2-49AB-9653-BF6D082EB7DE}" type="datetimeFigureOut">
               <a:rPr lang="pl-PL" smtClean="0"/>
-              <a:t>18.01.2018</a:t>
+              <a:t>20.01.2018</a:t>
             </a:fld>
             <a:endParaRPr lang="pl-PL"/>
           </a:p>
@@ -1820,7 +1825,7 @@
           <a:p>
             <a:fld id="{B659867A-B7E2-49AB-9653-BF6D082EB7DE}" type="datetimeFigureOut">
               <a:rPr lang="pl-PL" smtClean="0"/>
-              <a:t>18.01.2018</a:t>
+              <a:t>20.01.2018</a:t>
             </a:fld>
             <a:endParaRPr lang="pl-PL"/>
           </a:p>
@@ -1961,7 +1966,7 @@
           <a:p>
             <a:fld id="{B659867A-B7E2-49AB-9653-BF6D082EB7DE}" type="datetimeFigureOut">
               <a:rPr lang="pl-PL" smtClean="0"/>
-              <a:t>18.01.2018</a:t>
+              <a:t>20.01.2018</a:t>
             </a:fld>
             <a:endParaRPr lang="pl-PL"/>
           </a:p>
@@ -2074,7 +2079,7 @@
           <a:p>
             <a:fld id="{B659867A-B7E2-49AB-9653-BF6D082EB7DE}" type="datetimeFigureOut">
               <a:rPr lang="pl-PL" smtClean="0"/>
-              <a:t>18.01.2018</a:t>
+              <a:t>20.01.2018</a:t>
             </a:fld>
             <a:endParaRPr lang="pl-PL"/>
           </a:p>
@@ -2385,7 +2390,7 @@
           <a:p>
             <a:fld id="{B659867A-B7E2-49AB-9653-BF6D082EB7DE}" type="datetimeFigureOut">
               <a:rPr lang="pl-PL" smtClean="0"/>
-              <a:t>18.01.2018</a:t>
+              <a:t>20.01.2018</a:t>
             </a:fld>
             <a:endParaRPr lang="pl-PL"/>
           </a:p>
@@ -2673,7 +2678,7 @@
           <a:p>
             <a:fld id="{B659867A-B7E2-49AB-9653-BF6D082EB7DE}" type="datetimeFigureOut">
               <a:rPr lang="pl-PL" smtClean="0"/>
-              <a:t>18.01.2018</a:t>
+              <a:t>20.01.2018</a:t>
             </a:fld>
             <a:endParaRPr lang="pl-PL"/>
           </a:p>
@@ -2914,7 +2919,7 @@
           <a:p>
             <a:fld id="{B659867A-B7E2-49AB-9653-BF6D082EB7DE}" type="datetimeFigureOut">
               <a:rPr lang="pl-PL" smtClean="0"/>
-              <a:t>18.01.2018</a:t>
+              <a:t>20.01.2018</a:t>
             </a:fld>
             <a:endParaRPr lang="pl-PL"/>
           </a:p>
@@ -4057,7 +4062,7 @@
         </p:blipFill>
         <p:spPr>
           <a:xfrm>
-            <a:off x="6394963" y="1690688"/>
+            <a:off x="309217" y="1835065"/>
             <a:ext cx="5502788" cy="3977985"/>
           </a:xfrm>
         </p:spPr>
@@ -4090,7 +4095,7 @@
         </p:blipFill>
         <p:spPr>
           <a:xfrm>
-            <a:off x="294249" y="1907876"/>
+            <a:off x="5892944" y="2052255"/>
             <a:ext cx="5989839" cy="3543607"/>
           </a:xfrm>
           <a:prstGeom prst="rect">
